--- a/Share/每周命题游戏设计/沈永良/没有圆形的世界.pptx
+++ b/Share/每周命题游戏设计/沈永良/没有圆形的世界.pptx
@@ -3141,15 +3141,15 @@
             </a:pPr>
             <a:r>
               <a:rPr kumimoji="1" lang="zh-CN" altLang="en-US" sz="6600" dirty="0" smtClean="0">
-                <a:latin typeface="Microsoft YaHei" charset="-122"/>
-                <a:ea typeface="Microsoft YaHei" charset="-122"/>
+                <a:latin typeface="黑体-简" panose="02000000000000000000" charset="-122"/>
+                <a:ea typeface="黑体-简" panose="02000000000000000000" charset="-122"/>
                 <a:cs typeface="Microsoft YaHei" charset="-122"/>
               </a:rPr>
               <a:t>游</a:t>
             </a:r>
             <a:endParaRPr kumimoji="1" lang="en-US" altLang="zh-CN" sz="6600" dirty="0" smtClean="0">
-              <a:latin typeface="Microsoft YaHei" charset="-122"/>
-              <a:ea typeface="Microsoft YaHei" charset="-122"/>
+              <a:latin typeface="黑体-简" panose="02000000000000000000" charset="-122"/>
+              <a:ea typeface="黑体-简" panose="02000000000000000000" charset="-122"/>
               <a:cs typeface="Microsoft YaHei" charset="-122"/>
             </a:endParaRPr>
           </a:p>
@@ -3161,15 +3161,15 @@
             </a:pPr>
             <a:r>
               <a:rPr kumimoji="1" lang="zh-CN" altLang="en-US" sz="6600" dirty="0" smtClean="0">
-                <a:latin typeface="Microsoft YaHei" charset="-122"/>
-                <a:ea typeface="Microsoft YaHei" charset="-122"/>
+                <a:latin typeface="黑体-简" panose="02000000000000000000" charset="-122"/>
+                <a:ea typeface="黑体-简" panose="02000000000000000000" charset="-122"/>
                 <a:cs typeface="Microsoft YaHei" charset="-122"/>
               </a:rPr>
               <a:t>戏</a:t>
             </a:r>
             <a:endParaRPr kumimoji="1" lang="en-US" altLang="zh-CN" sz="6600" dirty="0" smtClean="0">
-              <a:latin typeface="Microsoft YaHei" charset="-122"/>
-              <a:ea typeface="Microsoft YaHei" charset="-122"/>
+              <a:latin typeface="黑体-简" panose="02000000000000000000" charset="-122"/>
+              <a:ea typeface="黑体-简" panose="02000000000000000000" charset="-122"/>
               <a:cs typeface="Microsoft YaHei" charset="-122"/>
             </a:endParaRPr>
           </a:p>
@@ -3181,15 +3181,15 @@
             </a:pPr>
             <a:r>
               <a:rPr kumimoji="1" lang="zh-CN" altLang="en-US" sz="6600" dirty="0" smtClean="0">
-                <a:latin typeface="Microsoft YaHei" charset="-122"/>
-                <a:ea typeface="Microsoft YaHei" charset="-122"/>
+                <a:latin typeface="黑体-简" panose="02000000000000000000" charset="-122"/>
+                <a:ea typeface="黑体-简" panose="02000000000000000000" charset="-122"/>
                 <a:cs typeface="Microsoft YaHei" charset="-122"/>
               </a:rPr>
               <a:t>概</a:t>
             </a:r>
             <a:endParaRPr kumimoji="1" lang="en-US" altLang="zh-CN" sz="6600" dirty="0" smtClean="0">
-              <a:latin typeface="Microsoft YaHei" charset="-122"/>
-              <a:ea typeface="Microsoft YaHei" charset="-122"/>
+              <a:latin typeface="黑体-简" panose="02000000000000000000" charset="-122"/>
+              <a:ea typeface="黑体-简" panose="02000000000000000000" charset="-122"/>
               <a:cs typeface="Microsoft YaHei" charset="-122"/>
             </a:endParaRPr>
           </a:p>
@@ -3201,15 +3201,15 @@
             </a:pPr>
             <a:r>
               <a:rPr kumimoji="1" lang="zh-CN" altLang="en-US" sz="6600" dirty="0" smtClean="0">
-                <a:latin typeface="Microsoft YaHei" charset="-122"/>
-                <a:ea typeface="Microsoft YaHei" charset="-122"/>
+                <a:latin typeface="黑体-简" panose="02000000000000000000" charset="-122"/>
+                <a:ea typeface="黑体-简" panose="02000000000000000000" charset="-122"/>
                 <a:cs typeface="Microsoft YaHei" charset="-122"/>
               </a:rPr>
               <a:t>述</a:t>
             </a:r>
             <a:endParaRPr kumimoji="1" lang="zh-CN" altLang="en-US" sz="6600" dirty="0">
-              <a:latin typeface="Microsoft YaHei" charset="-122"/>
-              <a:ea typeface="Microsoft YaHei" charset="-122"/>
+              <a:latin typeface="黑体-简" panose="02000000000000000000" charset="-122"/>
+              <a:ea typeface="黑体-简" panose="02000000000000000000" charset="-122"/>
               <a:cs typeface="Microsoft YaHei" charset="-122"/>
             </a:endParaRPr>
           </a:p>
@@ -3243,18 +3243,14 @@
             </a:pPr>
             <a:r>
               <a:rPr lang="zh-CN" altLang="en-US" sz="2400" b="1" dirty="0" smtClean="0">
-                <a:latin typeface="+mn-ea"/>
-              </a:rPr>
-              <a:t>游戏类型：关卡密室</a:t>
-            </a:r>
-            <a:r>
-              <a:rPr lang="zh-CN" altLang="en-US" sz="2400" b="1" dirty="0" smtClean="0">
-                <a:latin typeface="+mn-ea"/>
-              </a:rPr>
-              <a:t>解谜</a:t>
+                <a:latin typeface="黑体-简" panose="02000000000000000000" charset="-122"/>
+                <a:ea typeface="黑体-简" panose="02000000000000000000" charset="-122"/>
+              </a:rPr>
+              <a:t>游戏类型：关卡密室解谜</a:t>
             </a:r>
             <a:endParaRPr lang="en-US" altLang="zh-CN" sz="2400" b="1" dirty="0" smtClean="0">
-              <a:latin typeface="+mn-ea"/>
+              <a:latin typeface="黑体-简" panose="02000000000000000000" charset="-122"/>
+              <a:ea typeface="黑体-简" panose="02000000000000000000" charset="-122"/>
             </a:endParaRPr>
           </a:p>
           <a:p>
@@ -3265,18 +3261,14 @@
             </a:pPr>
             <a:r>
               <a:rPr lang="zh-CN" altLang="en-US" sz="2400" b="1" dirty="0" smtClean="0">
-                <a:latin typeface="+mn-ea"/>
-              </a:rPr>
-              <a:t>游戏平台：移动</a:t>
-            </a:r>
-            <a:r>
-              <a:rPr lang="zh-CN" altLang="en-US" sz="2400" b="1" dirty="0" smtClean="0">
-                <a:latin typeface="+mn-ea"/>
-              </a:rPr>
-              <a:t>端</a:t>
+                <a:latin typeface="黑体-简" panose="02000000000000000000" charset="-122"/>
+                <a:ea typeface="黑体-简" panose="02000000000000000000" charset="-122"/>
+              </a:rPr>
+              <a:t>游戏平台：移动端</a:t>
             </a:r>
             <a:endParaRPr lang="en-US" altLang="zh-CN" sz="2400" b="1" dirty="0" smtClean="0">
-              <a:latin typeface="+mn-ea"/>
+              <a:latin typeface="黑体-简" panose="02000000000000000000" charset="-122"/>
+              <a:ea typeface="黑体-简" panose="02000000000000000000" charset="-122"/>
             </a:endParaRPr>
           </a:p>
           <a:p>
@@ -3287,12 +3279,14 @@
             </a:pPr>
             <a:r>
               <a:rPr lang="zh-CN" altLang="en-US" sz="2400" b="1" dirty="0" smtClean="0">
-                <a:latin typeface="+mn-ea"/>
+                <a:latin typeface="黑体-简" panose="02000000000000000000" charset="-122"/>
+                <a:ea typeface="黑体-简" panose="02000000000000000000" charset="-122"/>
               </a:rPr>
               <a:t>大致内容：极其讨厌圆形的撒旦为祸人间，所到之处的圆形物体都变成其他形状。上帝派遣玩家解救人类，消除撒旦的异形封印，解救人类。</a:t>
             </a:r>
             <a:endParaRPr lang="zh-CN" altLang="en-US" sz="2400" b="1" dirty="0" smtClean="0">
-              <a:latin typeface="+mn-ea"/>
+              <a:latin typeface="黑体-简" panose="02000000000000000000" charset="-122"/>
+              <a:ea typeface="黑体-简" panose="02000000000000000000" charset="-122"/>
             </a:endParaRPr>
           </a:p>
         </p:txBody>
@@ -3374,15 +3368,15 @@
             </a:pPr>
             <a:r>
               <a:rPr kumimoji="1" lang="zh-CN" altLang="en-US" sz="6600" dirty="0" smtClean="0">
-                <a:latin typeface="Microsoft YaHei" charset="-122"/>
-                <a:ea typeface="Microsoft YaHei" charset="-122"/>
+                <a:latin typeface="黑体-简" panose="02000000000000000000" charset="-122"/>
+                <a:ea typeface="黑体-简" panose="02000000000000000000" charset="-122"/>
                 <a:cs typeface="Microsoft YaHei" charset="-122"/>
               </a:rPr>
               <a:t>游</a:t>
             </a:r>
             <a:endParaRPr kumimoji="1" lang="en-US" altLang="zh-CN" sz="6600" dirty="0" smtClean="0">
-              <a:latin typeface="Microsoft YaHei" charset="-122"/>
-              <a:ea typeface="Microsoft YaHei" charset="-122"/>
+              <a:latin typeface="黑体-简" panose="02000000000000000000" charset="-122"/>
+              <a:ea typeface="黑体-简" panose="02000000000000000000" charset="-122"/>
               <a:cs typeface="Microsoft YaHei" charset="-122"/>
             </a:endParaRPr>
           </a:p>
@@ -3394,15 +3388,15 @@
             </a:pPr>
             <a:r>
               <a:rPr kumimoji="1" lang="zh-CN" altLang="en-US" sz="6600" dirty="0" smtClean="0">
-                <a:latin typeface="Microsoft YaHei" charset="-122"/>
-                <a:ea typeface="Microsoft YaHei" charset="-122"/>
+                <a:latin typeface="黑体-简" panose="02000000000000000000" charset="-122"/>
+                <a:ea typeface="黑体-简" panose="02000000000000000000" charset="-122"/>
                 <a:cs typeface="Microsoft YaHei" charset="-122"/>
               </a:rPr>
               <a:t>戏</a:t>
             </a:r>
             <a:endParaRPr kumimoji="1" lang="en-US" altLang="zh-CN" sz="6600" dirty="0" smtClean="0">
-              <a:latin typeface="Microsoft YaHei" charset="-122"/>
-              <a:ea typeface="Microsoft YaHei" charset="-122"/>
+              <a:latin typeface="黑体-简" panose="02000000000000000000" charset="-122"/>
+              <a:ea typeface="黑体-简" panose="02000000000000000000" charset="-122"/>
               <a:cs typeface="Microsoft YaHei" charset="-122"/>
             </a:endParaRPr>
           </a:p>
@@ -3414,15 +3408,15 @@
             </a:pPr>
             <a:r>
               <a:rPr kumimoji="1" lang="zh-CN" altLang="en-US" sz="6600" dirty="0">
-                <a:latin typeface="Microsoft YaHei" charset="-122"/>
-                <a:ea typeface="Microsoft YaHei" charset="-122"/>
+                <a:latin typeface="黑体-简" panose="02000000000000000000" charset="-122"/>
+                <a:ea typeface="黑体-简" panose="02000000000000000000" charset="-122"/>
                 <a:cs typeface="Microsoft YaHei" charset="-122"/>
               </a:rPr>
               <a:t>玩法</a:t>
             </a:r>
             <a:endParaRPr kumimoji="1" lang="zh-CN" altLang="en-US" sz="6600" dirty="0">
-              <a:latin typeface="Microsoft YaHei" charset="-122"/>
-              <a:ea typeface="Microsoft YaHei" charset="-122"/>
+              <a:latin typeface="黑体-简" panose="02000000000000000000" charset="-122"/>
+              <a:ea typeface="黑体-简" panose="02000000000000000000" charset="-122"/>
               <a:cs typeface="Microsoft YaHei" charset="-122"/>
             </a:endParaRPr>
           </a:p>
@@ -3480,10 +3474,16 @@
           </a:bodyPr>
           <a:p>
             <a:r>
-              <a:rPr lang="zh-CN" altLang="en-US"/>
+              <a:rPr lang="zh-CN" altLang="en-US">
+                <a:latin typeface="黑体-简" panose="02000000000000000000" charset="-122"/>
+                <a:ea typeface="黑体-简" panose="02000000000000000000" charset="-122"/>
+              </a:rPr>
               <a:t>玩家选择合适时机将若干个物变成圆形，到达终点</a:t>
             </a:r>
-            <a:endParaRPr lang="zh-CN" altLang="en-US"/>
+            <a:endParaRPr lang="zh-CN" altLang="en-US">
+              <a:latin typeface="黑体-简" panose="02000000000000000000" charset="-122"/>
+              <a:ea typeface="黑体-简" panose="02000000000000000000" charset="-122"/>
+            </a:endParaRPr>
           </a:p>
         </p:txBody>
       </p:sp>
@@ -3907,10 +3907,16 @@
           </a:bodyPr>
           <a:p>
             <a:r>
-              <a:rPr lang="zh-CN" altLang="en-US"/>
+              <a:rPr lang="zh-CN" altLang="en-US">
+                <a:latin typeface="黑体-简" panose="02000000000000000000" charset="-122"/>
+                <a:ea typeface="黑体-简" panose="02000000000000000000" charset="-122"/>
+              </a:rPr>
               <a:t>按钮</a:t>
             </a:r>
-            <a:endParaRPr lang="zh-CN" altLang="en-US"/>
+            <a:endParaRPr lang="zh-CN" altLang="en-US">
+              <a:latin typeface="黑体-简" panose="02000000000000000000" charset="-122"/>
+              <a:ea typeface="黑体-简" panose="02000000000000000000" charset="-122"/>
+            </a:endParaRPr>
           </a:p>
         </p:txBody>
       </p:sp>
@@ -4038,15 +4044,15 @@
             </a:pPr>
             <a:r>
               <a:rPr kumimoji="1" lang="zh-CN" altLang="en-US" sz="6600" dirty="0" smtClean="0">
-                <a:latin typeface="Microsoft YaHei" charset="-122"/>
-                <a:ea typeface="Microsoft YaHei" charset="-122"/>
+                <a:latin typeface="黑体-简" panose="02000000000000000000" charset="-122"/>
+                <a:ea typeface="黑体-简" panose="02000000000000000000" charset="-122"/>
                 <a:cs typeface="Microsoft YaHei" charset="-122"/>
               </a:rPr>
               <a:t>游</a:t>
             </a:r>
             <a:endParaRPr kumimoji="1" lang="en-US" altLang="zh-CN" sz="6600" dirty="0" smtClean="0">
-              <a:latin typeface="Microsoft YaHei" charset="-122"/>
-              <a:ea typeface="Microsoft YaHei" charset="-122"/>
+              <a:latin typeface="黑体-简" panose="02000000000000000000" charset="-122"/>
+              <a:ea typeface="黑体-简" panose="02000000000000000000" charset="-122"/>
               <a:cs typeface="Microsoft YaHei" charset="-122"/>
             </a:endParaRPr>
           </a:p>
@@ -4058,15 +4064,15 @@
             </a:pPr>
             <a:r>
               <a:rPr kumimoji="1" lang="zh-CN" altLang="en-US" sz="6600" dirty="0" smtClean="0">
-                <a:latin typeface="Microsoft YaHei" charset="-122"/>
-                <a:ea typeface="Microsoft YaHei" charset="-122"/>
+                <a:latin typeface="黑体-简" panose="02000000000000000000" charset="-122"/>
+                <a:ea typeface="黑体-简" panose="02000000000000000000" charset="-122"/>
                 <a:cs typeface="Microsoft YaHei" charset="-122"/>
               </a:rPr>
               <a:t>戏</a:t>
             </a:r>
             <a:endParaRPr kumimoji="1" lang="en-US" altLang="zh-CN" sz="6600" dirty="0" smtClean="0">
-              <a:latin typeface="Microsoft YaHei" charset="-122"/>
-              <a:ea typeface="Microsoft YaHei" charset="-122"/>
+              <a:latin typeface="黑体-简" panose="02000000000000000000" charset="-122"/>
+              <a:ea typeface="黑体-简" panose="02000000000000000000" charset="-122"/>
               <a:cs typeface="Microsoft YaHei" charset="-122"/>
             </a:endParaRPr>
           </a:p>
@@ -4078,8 +4084,8 @@
             </a:pPr>
             <a:r>
               <a:rPr kumimoji="1" lang="zh-CN" altLang="en-US" sz="6600" dirty="0" smtClean="0">
-                <a:latin typeface="Microsoft YaHei" charset="-122"/>
-                <a:ea typeface="Microsoft YaHei" charset="-122"/>
+                <a:latin typeface="黑体-简" panose="02000000000000000000" charset="-122"/>
+                <a:ea typeface="黑体-简" panose="02000000000000000000" charset="-122"/>
                 <a:cs typeface="Microsoft YaHei" charset="-122"/>
               </a:rPr>
               <a:t>设定</a:t>
@@ -4126,85 +4132,140 @@
           </a:bodyPr>
           <a:p>
             <a:r>
-              <a:rPr lang="en-US" altLang="zh-CN"/>
+              <a:rPr lang="en-US" altLang="zh-CN">
+                <a:latin typeface="黑体-简" panose="02000000000000000000" charset="-122"/>
+                <a:ea typeface="黑体-简" panose="02000000000000000000" charset="-122"/>
+              </a:rPr>
               <a:t>1.</a:t>
             </a:r>
             <a:r>
-              <a:rPr lang="zh-CN" altLang="en-US"/>
+              <a:rPr lang="zh-CN" altLang="en-US">
+                <a:latin typeface="黑体-简" panose="02000000000000000000" charset="-122"/>
+                <a:ea typeface="黑体-简" panose="02000000000000000000" charset="-122"/>
+              </a:rPr>
               <a:t>游戏场景中也存在移动的组件</a:t>
             </a:r>
-            <a:endParaRPr lang="zh-CN" altLang="en-US"/>
-          </a:p>
-          <a:p>
-            <a:endParaRPr lang="zh-CN" altLang="en-US"/>
-          </a:p>
-          <a:p>
-            <a:r>
-              <a:rPr lang="en-US" altLang="zh-CN"/>
+            <a:endParaRPr lang="zh-CN" altLang="en-US">
+              <a:latin typeface="黑体-简" panose="02000000000000000000" charset="-122"/>
+              <a:ea typeface="黑体-简" panose="02000000000000000000" charset="-122"/>
+            </a:endParaRPr>
+          </a:p>
+          <a:p>
+            <a:endParaRPr lang="zh-CN" altLang="en-US">
+              <a:latin typeface="黑体-简" panose="02000000000000000000" charset="-122"/>
+              <a:ea typeface="黑体-简" panose="02000000000000000000" charset="-122"/>
+            </a:endParaRPr>
+          </a:p>
+          <a:p>
+            <a:r>
+              <a:rPr lang="en-US" altLang="zh-CN">
+                <a:latin typeface="黑体-简" panose="02000000000000000000" charset="-122"/>
+                <a:ea typeface="黑体-简" panose="02000000000000000000" charset="-122"/>
+              </a:rPr>
               <a:t>2.</a:t>
             </a:r>
             <a:r>
-              <a:rPr lang="zh-CN" altLang="en-US"/>
+              <a:rPr lang="zh-CN" altLang="en-US">
+                <a:latin typeface="黑体-简" panose="02000000000000000000" charset="-122"/>
+                <a:ea typeface="黑体-简" panose="02000000000000000000" charset="-122"/>
+              </a:rPr>
               <a:t>到达终点有多种路径</a:t>
             </a:r>
-            <a:endParaRPr lang="zh-CN" altLang="en-US"/>
-          </a:p>
-          <a:p>
-            <a:endParaRPr lang="zh-CN" altLang="en-US"/>
-          </a:p>
-          <a:p>
-            <a:r>
-              <a:rPr lang="en-US" altLang="zh-CN"/>
+            <a:endParaRPr lang="zh-CN" altLang="en-US">
+              <a:latin typeface="黑体-简" panose="02000000000000000000" charset="-122"/>
+              <a:ea typeface="黑体-简" panose="02000000000000000000" charset="-122"/>
+            </a:endParaRPr>
+          </a:p>
+          <a:p>
+            <a:endParaRPr lang="zh-CN" altLang="en-US">
+              <a:latin typeface="黑体-简" panose="02000000000000000000" charset="-122"/>
+              <a:ea typeface="黑体-简" panose="02000000000000000000" charset="-122"/>
+            </a:endParaRPr>
+          </a:p>
+          <a:p>
+            <a:r>
+              <a:rPr lang="en-US" altLang="zh-CN">
+                <a:latin typeface="黑体-简" panose="02000000000000000000" charset="-122"/>
+                <a:ea typeface="黑体-简" panose="02000000000000000000" charset="-122"/>
+              </a:rPr>
               <a:t>3.</a:t>
             </a:r>
             <a:r>
-              <a:rPr lang="zh-CN" altLang="en-US"/>
-              <a:t>使用能力（变圆、还原</a:t>
-            </a:r>
-            <a:r>
-              <a:rPr lang="zh-CN" altLang="en-US"/>
-              <a:t>）次数每关有限</a:t>
-            </a:r>
-            <a:endParaRPr lang="zh-CN" altLang="en-US"/>
-          </a:p>
-          <a:p>
-            <a:endParaRPr lang="zh-CN" altLang="en-US"/>
-          </a:p>
-          <a:p>
-            <a:r>
-              <a:rPr lang="en-US" altLang="zh-CN"/>
+              <a:rPr lang="zh-CN" altLang="en-US">
+                <a:latin typeface="黑体-简" panose="02000000000000000000" charset="-122"/>
+                <a:ea typeface="黑体-简" panose="02000000000000000000" charset="-122"/>
+              </a:rPr>
+              <a:t>使用能力（变圆、还原）次数每关有限</a:t>
+            </a:r>
+            <a:endParaRPr lang="zh-CN" altLang="en-US">
+              <a:latin typeface="黑体-简" panose="02000000000000000000" charset="-122"/>
+              <a:ea typeface="黑体-简" panose="02000000000000000000" charset="-122"/>
+            </a:endParaRPr>
+          </a:p>
+          <a:p>
+            <a:endParaRPr lang="zh-CN" altLang="en-US">
+              <a:latin typeface="黑体-简" panose="02000000000000000000" charset="-122"/>
+              <a:ea typeface="黑体-简" panose="02000000000000000000" charset="-122"/>
+            </a:endParaRPr>
+          </a:p>
+          <a:p>
+            <a:r>
+              <a:rPr lang="en-US" altLang="zh-CN">
+                <a:latin typeface="黑体-简" panose="02000000000000000000" charset="-122"/>
+                <a:ea typeface="黑体-简" panose="02000000000000000000" charset="-122"/>
+              </a:rPr>
               <a:t>4.</a:t>
             </a:r>
             <a:r>
-              <a:rPr lang="zh-CN" altLang="en-US"/>
-              <a:t>变圆、还原都</a:t>
-            </a:r>
-            <a:r>
-              <a:rPr lang="zh-CN" altLang="en-US"/>
-              <a:t>消耗次数</a:t>
-            </a:r>
-            <a:endParaRPr lang="zh-CN" altLang="en-US"/>
-          </a:p>
-          <a:p>
-            <a:endParaRPr lang="zh-CN" altLang="en-US"/>
-          </a:p>
-          <a:p>
-            <a:r>
-              <a:rPr lang="en-US" altLang="zh-CN"/>
+              <a:rPr lang="zh-CN" altLang="en-US">
+                <a:latin typeface="黑体-简" panose="02000000000000000000" charset="-122"/>
+                <a:ea typeface="黑体-简" panose="02000000000000000000" charset="-122"/>
+              </a:rPr>
+              <a:t>变圆、还原都消耗次数</a:t>
+            </a:r>
+            <a:endParaRPr lang="zh-CN" altLang="en-US">
+              <a:latin typeface="黑体-简" panose="02000000000000000000" charset="-122"/>
+              <a:ea typeface="黑体-简" panose="02000000000000000000" charset="-122"/>
+            </a:endParaRPr>
+          </a:p>
+          <a:p>
+            <a:endParaRPr lang="zh-CN" altLang="en-US">
+              <a:latin typeface="黑体-简" panose="02000000000000000000" charset="-122"/>
+              <a:ea typeface="黑体-简" panose="02000000000000000000" charset="-122"/>
+            </a:endParaRPr>
+          </a:p>
+          <a:p>
+            <a:r>
+              <a:rPr lang="en-US" altLang="zh-CN">
+                <a:latin typeface="黑体-简" panose="02000000000000000000" charset="-122"/>
+                <a:ea typeface="黑体-简" panose="02000000000000000000" charset="-122"/>
+              </a:rPr>
               <a:t>5.</a:t>
             </a:r>
             <a:r>
-              <a:rPr lang="zh-CN" altLang="en-US"/>
+              <a:rPr lang="zh-CN" altLang="en-US">
+                <a:latin typeface="黑体-简" panose="02000000000000000000" charset="-122"/>
+                <a:ea typeface="黑体-简" panose="02000000000000000000" charset="-122"/>
+              </a:rPr>
               <a:t>关卡小人血量为</a:t>
             </a:r>
             <a:r>
-              <a:rPr lang="en-US" altLang="zh-CN"/>
+              <a:rPr lang="en-US" altLang="zh-CN">
+                <a:latin typeface="黑体-简" panose="02000000000000000000" charset="-122"/>
+                <a:ea typeface="黑体-简" panose="02000000000000000000" charset="-122"/>
+              </a:rPr>
               <a:t>1</a:t>
             </a:r>
-            <a:endParaRPr lang="en-US" altLang="zh-CN"/>
-          </a:p>
-          <a:p>
-            <a:endParaRPr lang="en-US" altLang="zh-CN"/>
+            <a:endParaRPr lang="en-US" altLang="zh-CN">
+              <a:latin typeface="黑体-简" panose="02000000000000000000" charset="-122"/>
+              <a:ea typeface="黑体-简" panose="02000000000000000000" charset="-122"/>
+            </a:endParaRPr>
+          </a:p>
+          <a:p>
+            <a:endParaRPr lang="en-US" altLang="zh-CN">
+              <a:latin typeface="黑体-简" panose="02000000000000000000" charset="-122"/>
+              <a:ea typeface="黑体-简" panose="02000000000000000000" charset="-122"/>
+            </a:endParaRPr>
           </a:p>
         </p:txBody>
       </p:sp>
@@ -4275,15 +4336,15 @@
             </a:pPr>
             <a:r>
               <a:rPr kumimoji="1" lang="zh-CN" altLang="en-US" sz="6600" dirty="0" smtClean="0">
-                <a:latin typeface="Microsoft YaHei" charset="-122"/>
-                <a:ea typeface="Microsoft YaHei" charset="-122"/>
+                <a:latin typeface="黑体-简" panose="02000000000000000000" charset="-122"/>
+                <a:ea typeface="黑体-简" panose="02000000000000000000" charset="-122"/>
                 <a:cs typeface="Microsoft YaHei" charset="-122"/>
               </a:rPr>
               <a:t>游</a:t>
             </a:r>
             <a:endParaRPr kumimoji="1" lang="en-US" altLang="zh-CN" sz="6600" dirty="0" smtClean="0">
-              <a:latin typeface="Microsoft YaHei" charset="-122"/>
-              <a:ea typeface="Microsoft YaHei" charset="-122"/>
+              <a:latin typeface="黑体-简" panose="02000000000000000000" charset="-122"/>
+              <a:ea typeface="黑体-简" panose="02000000000000000000" charset="-122"/>
               <a:cs typeface="Microsoft YaHei" charset="-122"/>
             </a:endParaRPr>
           </a:p>
@@ -4295,15 +4356,15 @@
             </a:pPr>
             <a:r>
               <a:rPr kumimoji="1" lang="zh-CN" altLang="en-US" sz="6600" dirty="0" smtClean="0">
-                <a:latin typeface="Microsoft YaHei" charset="-122"/>
-                <a:ea typeface="Microsoft YaHei" charset="-122"/>
+                <a:latin typeface="黑体-简" panose="02000000000000000000" charset="-122"/>
+                <a:ea typeface="黑体-简" panose="02000000000000000000" charset="-122"/>
                 <a:cs typeface="Microsoft YaHei" charset="-122"/>
               </a:rPr>
               <a:t>戏</a:t>
             </a:r>
             <a:endParaRPr kumimoji="1" lang="en-US" altLang="zh-CN" sz="6600" dirty="0" smtClean="0">
-              <a:latin typeface="Microsoft YaHei" charset="-122"/>
-              <a:ea typeface="Microsoft YaHei" charset="-122"/>
+              <a:latin typeface="黑体-简" panose="02000000000000000000" charset="-122"/>
+              <a:ea typeface="黑体-简" panose="02000000000000000000" charset="-122"/>
               <a:cs typeface="Microsoft YaHei" charset="-122"/>
             </a:endParaRPr>
           </a:p>
@@ -4315,15 +4376,15 @@
             </a:pPr>
             <a:r>
               <a:rPr kumimoji="1" lang="zh-CN" altLang="en-US" sz="6600" dirty="0">
-                <a:latin typeface="Microsoft YaHei" charset="-122"/>
-                <a:ea typeface="Microsoft YaHei" charset="-122"/>
+                <a:latin typeface="黑体-简" panose="02000000000000000000" charset="-122"/>
+                <a:ea typeface="黑体-简" panose="02000000000000000000" charset="-122"/>
                 <a:cs typeface="Microsoft YaHei" charset="-122"/>
               </a:rPr>
               <a:t>机制</a:t>
             </a:r>
             <a:endParaRPr kumimoji="1" lang="zh-CN" altLang="en-US" sz="6600" dirty="0">
-              <a:latin typeface="Microsoft YaHei" charset="-122"/>
-              <a:ea typeface="Microsoft YaHei" charset="-122"/>
+              <a:latin typeface="黑体-简" panose="02000000000000000000" charset="-122"/>
+              <a:ea typeface="黑体-简" panose="02000000000000000000" charset="-122"/>
               <a:cs typeface="Microsoft YaHei" charset="-122"/>
             </a:endParaRPr>
           </a:p>
@@ -4367,8 +4428,8 @@
         </p:nvSpPr>
         <p:spPr>
           <a:xfrm>
-            <a:off x="1781493" y="513715"/>
-            <a:ext cx="4906645" cy="1753235"/>
+            <a:off x="1762443" y="513715"/>
+            <a:ext cx="4944745" cy="1753235"/>
           </a:xfrm>
           <a:prstGeom prst="rect">
             <a:avLst/>
@@ -4384,76 +4445,124 @@
               <a:buNone/>
             </a:pPr>
             <a:r>
-              <a:rPr lang="en-US" altLang="zh-CN"/>
+              <a:rPr lang="en-US" altLang="zh-CN">
+                <a:latin typeface="黑体-简" panose="02000000000000000000" charset="-122"/>
+                <a:ea typeface="黑体-简" panose="02000000000000000000" charset="-122"/>
+              </a:rPr>
               <a:t>1.</a:t>
             </a:r>
             <a:r>
-              <a:rPr lang="zh-CN" altLang="en-US"/>
+              <a:rPr lang="zh-CN" altLang="en-US">
+                <a:latin typeface="黑体-简" panose="02000000000000000000" charset="-122"/>
+                <a:ea typeface="黑体-简" panose="02000000000000000000" charset="-122"/>
+              </a:rPr>
               <a:t>小人匀速向前移动，玩家快速解谜，清除障碍</a:t>
             </a:r>
-            <a:endParaRPr lang="zh-CN" altLang="en-US"/>
+            <a:endParaRPr lang="zh-CN" altLang="en-US">
+              <a:latin typeface="黑体-简" panose="02000000000000000000" charset="-122"/>
+              <a:ea typeface="黑体-简" panose="02000000000000000000" charset="-122"/>
+            </a:endParaRPr>
           </a:p>
           <a:p>
             <a:pPr algn="ctr">
               <a:buNone/>
             </a:pPr>
-            <a:endParaRPr lang="zh-CN" altLang="en-US"/>
+            <a:endParaRPr lang="zh-CN" altLang="en-US">
+              <a:latin typeface="黑体-简" panose="02000000000000000000" charset="-122"/>
+              <a:ea typeface="黑体-简" panose="02000000000000000000" charset="-122"/>
+            </a:endParaRPr>
           </a:p>
           <a:p>
             <a:pPr algn="l">
               <a:buNone/>
             </a:pPr>
             <a:r>
-              <a:rPr lang="en-US" altLang="zh-CN"/>
+              <a:rPr lang="en-US" altLang="zh-CN">
+                <a:latin typeface="黑体-简" panose="02000000000000000000" charset="-122"/>
+                <a:ea typeface="黑体-简" panose="02000000000000000000" charset="-122"/>
+              </a:rPr>
               <a:t>2.</a:t>
             </a:r>
             <a:r>
-              <a:rPr lang="zh-CN" altLang="en-US"/>
+              <a:rPr lang="zh-CN" altLang="en-US">
+                <a:latin typeface="黑体-简" panose="02000000000000000000" charset="-122"/>
+                <a:ea typeface="黑体-简" panose="02000000000000000000" charset="-122"/>
+              </a:rPr>
               <a:t>小人在障碍前驻足，障碍消除自动前进</a:t>
             </a:r>
-            <a:endParaRPr lang="zh-CN" altLang="en-US"/>
+            <a:endParaRPr lang="zh-CN" altLang="en-US">
+              <a:latin typeface="黑体-简" panose="02000000000000000000" charset="-122"/>
+              <a:ea typeface="黑体-简" panose="02000000000000000000" charset="-122"/>
+            </a:endParaRPr>
           </a:p>
           <a:p>
             <a:pPr algn="l">
               <a:buNone/>
             </a:pPr>
-            <a:endParaRPr lang="zh-CN" altLang="en-US"/>
+            <a:endParaRPr lang="zh-CN" altLang="en-US">
+              <a:latin typeface="黑体-简" panose="02000000000000000000" charset="-122"/>
+              <a:ea typeface="黑体-简" panose="02000000000000000000" charset="-122"/>
+            </a:endParaRPr>
           </a:p>
           <a:p>
             <a:pPr algn="l">
               <a:buNone/>
             </a:pPr>
             <a:r>
-              <a:rPr lang="en-US" altLang="zh-CN"/>
+              <a:rPr lang="en-US" altLang="zh-CN">
+                <a:latin typeface="黑体-简" panose="02000000000000000000" charset="-122"/>
+                <a:ea typeface="黑体-简" panose="02000000000000000000" charset="-122"/>
+              </a:rPr>
               <a:t>3.</a:t>
             </a:r>
             <a:r>
-              <a:rPr lang="zh-CN" altLang="en-US"/>
+              <a:rPr lang="zh-CN" altLang="en-US">
+                <a:latin typeface="黑体-简" panose="02000000000000000000" charset="-122"/>
+                <a:ea typeface="黑体-简" panose="02000000000000000000" charset="-122"/>
+              </a:rPr>
               <a:t>小人数量为</a:t>
             </a:r>
             <a:r>
-              <a:rPr lang="en-US" altLang="zh-CN"/>
+              <a:rPr lang="en-US" altLang="zh-CN">
+                <a:latin typeface="黑体-简" panose="02000000000000000000" charset="-122"/>
+                <a:ea typeface="黑体-简" panose="02000000000000000000" charset="-122"/>
+              </a:rPr>
               <a:t>1</a:t>
             </a:r>
             <a:r>
-              <a:rPr lang="zh-CN" altLang="en-US"/>
+              <a:rPr lang="zh-CN" altLang="en-US">
+                <a:latin typeface="黑体-简" panose="02000000000000000000" charset="-122"/>
+                <a:ea typeface="黑体-简" panose="02000000000000000000" charset="-122"/>
+              </a:rPr>
               <a:t>至</a:t>
             </a:r>
             <a:r>
-              <a:rPr lang="en-US" altLang="zh-CN"/>
+              <a:rPr lang="en-US" altLang="zh-CN">
+                <a:latin typeface="黑体-简" panose="02000000000000000000" charset="-122"/>
+                <a:ea typeface="黑体-简" panose="02000000000000000000" charset="-122"/>
+              </a:rPr>
               <a:t>3</a:t>
             </a:r>
             <a:r>
-              <a:rPr lang="zh-CN" altLang="en-US"/>
+              <a:rPr lang="zh-CN" altLang="en-US">
+                <a:latin typeface="黑体-简" panose="02000000000000000000" charset="-122"/>
+                <a:ea typeface="黑体-简" panose="02000000000000000000" charset="-122"/>
+              </a:rPr>
               <a:t>人</a:t>
             </a:r>
-            <a:endParaRPr lang="en-US" altLang="zh-CN"/>
+            <a:endParaRPr lang="en-US" altLang="zh-CN">
+              <a:latin typeface="黑体-简" panose="02000000000000000000" charset="-122"/>
+              <a:ea typeface="黑体-简" panose="02000000000000000000" charset="-122"/>
+            </a:endParaRPr>
           </a:p>
           <a:p>
             <a:pPr algn="l">
               <a:buNone/>
             </a:pPr>
-            <a:endParaRPr lang="en-US" altLang="zh-CN"/>
+            <a:endParaRPr lang="en-US" altLang="zh-CN">
+              <a:latin typeface="黑体-简" panose="02000000000000000000" charset="-122"/>
+              <a:ea typeface="黑体-简" panose="02000000000000000000" charset="-122"/>
+            </a:endParaRPr>
           </a:p>
         </p:txBody>
       </p:sp>
@@ -4524,15 +4633,15 @@
             </a:pPr>
             <a:r>
               <a:rPr kumimoji="1" lang="zh-CN" altLang="en-US" sz="6600" dirty="0" smtClean="0">
-                <a:latin typeface="Microsoft YaHei" charset="-122"/>
-                <a:ea typeface="Microsoft YaHei" charset="-122"/>
+                <a:latin typeface="黑体-简" panose="02000000000000000000" charset="-122"/>
+                <a:ea typeface="黑体-简" panose="02000000000000000000" charset="-122"/>
                 <a:cs typeface="Microsoft YaHei" charset="-122"/>
               </a:rPr>
               <a:t>游</a:t>
             </a:r>
             <a:endParaRPr kumimoji="1" lang="en-US" altLang="zh-CN" sz="6600" dirty="0" smtClean="0">
-              <a:latin typeface="Microsoft YaHei" charset="-122"/>
-              <a:ea typeface="Microsoft YaHei" charset="-122"/>
+              <a:latin typeface="黑体-简" panose="02000000000000000000" charset="-122"/>
+              <a:ea typeface="黑体-简" panose="02000000000000000000" charset="-122"/>
               <a:cs typeface="Microsoft YaHei" charset="-122"/>
             </a:endParaRPr>
           </a:p>
@@ -4544,15 +4653,15 @@
             </a:pPr>
             <a:r>
               <a:rPr kumimoji="1" lang="zh-CN" altLang="en-US" sz="6600" dirty="0" smtClean="0">
-                <a:latin typeface="Microsoft YaHei" charset="-122"/>
-                <a:ea typeface="Microsoft YaHei" charset="-122"/>
+                <a:latin typeface="黑体-简" panose="02000000000000000000" charset="-122"/>
+                <a:ea typeface="黑体-简" panose="02000000000000000000" charset="-122"/>
                 <a:cs typeface="Microsoft YaHei" charset="-122"/>
               </a:rPr>
               <a:t>戏</a:t>
             </a:r>
             <a:endParaRPr kumimoji="1" lang="en-US" altLang="zh-CN" sz="6600" dirty="0" smtClean="0">
-              <a:latin typeface="Microsoft YaHei" charset="-122"/>
-              <a:ea typeface="Microsoft YaHei" charset="-122"/>
+              <a:latin typeface="黑体-简" panose="02000000000000000000" charset="-122"/>
+              <a:ea typeface="黑体-简" panose="02000000000000000000" charset="-122"/>
               <a:cs typeface="Microsoft YaHei" charset="-122"/>
             </a:endParaRPr>
           </a:p>
@@ -4564,15 +4673,15 @@
             </a:pPr>
             <a:r>
               <a:rPr kumimoji="1" lang="zh-CN" altLang="en-US" sz="6600" dirty="0">
-                <a:latin typeface="Microsoft YaHei" charset="-122"/>
-                <a:ea typeface="Microsoft YaHei" charset="-122"/>
+                <a:latin typeface="黑体-简" panose="02000000000000000000" charset="-122"/>
+                <a:ea typeface="黑体-简" panose="02000000000000000000" charset="-122"/>
                 <a:cs typeface="Microsoft YaHei" charset="-122"/>
               </a:rPr>
               <a:t>系统</a:t>
             </a:r>
             <a:endParaRPr kumimoji="1" lang="zh-CN" altLang="en-US" sz="6600" dirty="0">
-              <a:latin typeface="Microsoft YaHei" charset="-122"/>
-              <a:ea typeface="Microsoft YaHei" charset="-122"/>
+              <a:latin typeface="黑体-简" panose="02000000000000000000" charset="-122"/>
+              <a:ea typeface="黑体-简" panose="02000000000000000000" charset="-122"/>
               <a:cs typeface="Microsoft YaHei" charset="-122"/>
             </a:endParaRPr>
           </a:p>
@@ -4633,20 +4742,32 @@
               <a:buNone/>
             </a:pPr>
             <a:r>
-              <a:rPr lang="en-US" altLang="zh-CN"/>
+              <a:rPr lang="en-US" altLang="zh-CN">
+                <a:latin typeface="黑体-简" panose="02000000000000000000" charset="-122"/>
+                <a:ea typeface="黑体-简" panose="02000000000000000000" charset="-122"/>
+              </a:rPr>
               <a:t>1.</a:t>
             </a:r>
             <a:r>
-              <a:rPr lang="zh-CN" altLang="en-US"/>
+              <a:rPr lang="zh-CN" altLang="en-US">
+                <a:latin typeface="黑体-简" panose="02000000000000000000" charset="-122"/>
+                <a:ea typeface="黑体-简" panose="02000000000000000000" charset="-122"/>
+              </a:rPr>
               <a:t>道具系统：</a:t>
             </a:r>
-            <a:endParaRPr lang="zh-CN" altLang="en-US"/>
+            <a:endParaRPr lang="zh-CN" altLang="en-US">
+              <a:latin typeface="黑体-简" panose="02000000000000000000" charset="-122"/>
+              <a:ea typeface="黑体-简" panose="02000000000000000000" charset="-122"/>
+            </a:endParaRPr>
           </a:p>
           <a:p>
             <a:pPr algn="l">
               <a:buNone/>
             </a:pPr>
-            <a:endParaRPr lang="zh-CN" altLang="en-US"/>
+            <a:endParaRPr lang="zh-CN" altLang="en-US">
+              <a:latin typeface="黑体-简" panose="02000000000000000000" charset="-122"/>
+              <a:ea typeface="黑体-简" panose="02000000000000000000" charset="-122"/>
+            </a:endParaRPr>
           </a:p>
           <a:p>
             <a:pPr indent="0" algn="l">
@@ -4654,21 +4775,26 @@
               <a:buNone/>
             </a:pPr>
             <a:r>
-              <a:rPr lang="zh-CN" altLang="en-US"/>
-              <a:t>               上帝之手：为小人制造路径吃得道具，增加玩家</a:t>
-            </a:r>
-            <a:r>
-              <a:rPr lang="zh-CN" altLang="en-US"/>
-              <a:t>一次改变能力</a:t>
-            </a:r>
-            <a:endParaRPr lang="zh-CN" altLang="en-US"/>
+              <a:rPr lang="zh-CN" altLang="en-US">
+                <a:latin typeface="黑体-简" panose="02000000000000000000" charset="-122"/>
+                <a:ea typeface="黑体-简" panose="02000000000000000000" charset="-122"/>
+              </a:rPr>
+              <a:t>               上帝之手：为小人制造路径吃得道具，增加玩家一次改变能力</a:t>
+            </a:r>
+            <a:endParaRPr lang="zh-CN" altLang="en-US">
+              <a:latin typeface="黑体-简" panose="02000000000000000000" charset="-122"/>
+              <a:ea typeface="黑体-简" panose="02000000000000000000" charset="-122"/>
+            </a:endParaRPr>
           </a:p>
           <a:p>
             <a:pPr indent="0" algn="l">
               <a:buFont typeface="Wingdings" panose="05000000000000000000" charset="0"/>
               <a:buNone/>
             </a:pPr>
-            <a:endParaRPr lang="zh-CN" altLang="en-US"/>
+            <a:endParaRPr lang="zh-CN" altLang="en-US">
+              <a:latin typeface="黑体-简" panose="02000000000000000000" charset="-122"/>
+              <a:ea typeface="黑体-简" panose="02000000000000000000" charset="-122"/>
+            </a:endParaRPr>
           </a:p>
           <a:p>
             <a:pPr indent="0" algn="l">
@@ -4676,16 +4802,24 @@
               <a:buNone/>
             </a:pPr>
             <a:r>
-              <a:rPr lang="zh-CN" altLang="en-US"/>
+              <a:rPr lang="zh-CN" altLang="en-US">
+                <a:latin typeface="黑体-简" panose="02000000000000000000" charset="-122"/>
+                <a:ea typeface="黑体-简" panose="02000000000000000000" charset="-122"/>
+              </a:rPr>
               <a:t>               上帝护甲：</a:t>
             </a:r>
             <a:r>
               <a:rPr lang="zh-CN" altLang="en-US">
+                <a:latin typeface="黑体-简" panose="02000000000000000000" charset="-122"/>
+                <a:ea typeface="黑体-简" panose="02000000000000000000" charset="-122"/>
                 <a:sym typeface="+mn-ea"/>
               </a:rPr>
               <a:t>为小人制造路径吃得道具，增加小人一次生命</a:t>
             </a:r>
-            <a:endParaRPr lang="zh-CN" altLang="en-US"/>
+            <a:endParaRPr lang="zh-CN" altLang="en-US">
+              <a:latin typeface="黑体-简" panose="02000000000000000000" charset="-122"/>
+              <a:ea typeface="黑体-简" panose="02000000000000000000" charset="-122"/>
+            </a:endParaRPr>
           </a:p>
           <a:p>
             <a:pPr indent="0" algn="l">
@@ -4693,10 +4827,16 @@
               <a:buNone/>
             </a:pPr>
             <a:r>
-              <a:rPr lang="zh-CN" altLang="en-US"/>
+              <a:rPr lang="zh-CN" altLang="en-US">
+                <a:latin typeface="黑体-简" panose="02000000000000000000" charset="-122"/>
+                <a:ea typeface="黑体-简" panose="02000000000000000000" charset="-122"/>
+              </a:rPr>
               <a:t>               </a:t>
             </a:r>
-            <a:endParaRPr lang="zh-CN" altLang="en-US"/>
+            <a:endParaRPr lang="zh-CN" altLang="en-US">
+              <a:latin typeface="黑体-简" panose="02000000000000000000" charset="-122"/>
+              <a:ea typeface="黑体-简" panose="02000000000000000000" charset="-122"/>
+            </a:endParaRPr>
           </a:p>
           <a:p>
             <a:pPr indent="0" algn="l">
@@ -4704,140 +4844,220 @@
               <a:buNone/>
             </a:pPr>
             <a:r>
-              <a:rPr lang="zh-CN" altLang="en-US"/>
+              <a:rPr lang="zh-CN" altLang="en-US">
+                <a:latin typeface="黑体-简" panose="02000000000000000000" charset="-122"/>
+                <a:ea typeface="黑体-简" panose="02000000000000000000" charset="-122"/>
+              </a:rPr>
               <a:t>               </a:t>
             </a:r>
-            <a:endParaRPr lang="zh-CN" altLang="en-US"/>
+            <a:endParaRPr lang="zh-CN" altLang="en-US">
+              <a:latin typeface="黑体-简" panose="02000000000000000000" charset="-122"/>
+              <a:ea typeface="黑体-简" panose="02000000000000000000" charset="-122"/>
+            </a:endParaRPr>
           </a:p>
           <a:p>
             <a:pPr algn="ctr">
               <a:buNone/>
             </a:pPr>
-            <a:endParaRPr lang="zh-CN" altLang="en-US"/>
+            <a:endParaRPr lang="zh-CN" altLang="en-US">
+              <a:latin typeface="黑体-简" panose="02000000000000000000" charset="-122"/>
+              <a:ea typeface="黑体-简" panose="02000000000000000000" charset="-122"/>
+            </a:endParaRPr>
           </a:p>
           <a:p>
             <a:pPr algn="l">
               <a:buNone/>
             </a:pPr>
             <a:r>
-              <a:rPr lang="en-US" altLang="zh-CN"/>
+              <a:rPr lang="en-US" altLang="zh-CN">
+                <a:latin typeface="黑体-简" panose="02000000000000000000" charset="-122"/>
+                <a:ea typeface="黑体-简" panose="02000000000000000000" charset="-122"/>
+              </a:rPr>
               <a:t>2.</a:t>
             </a:r>
             <a:r>
-              <a:rPr lang="zh-CN" altLang="en-US"/>
+              <a:rPr lang="zh-CN" altLang="en-US">
+                <a:latin typeface="黑体-简" panose="02000000000000000000" charset="-122"/>
+                <a:ea typeface="黑体-简" panose="02000000000000000000" charset="-122"/>
+              </a:rPr>
               <a:t>评分系统：根据解救小人数量、剩余能力使用次数评分，</a:t>
             </a:r>
             <a:r>
-              <a:rPr lang="en-US" altLang="zh-CN"/>
+              <a:rPr lang="en-US" altLang="zh-CN">
+                <a:latin typeface="黑体-简" panose="02000000000000000000" charset="-122"/>
+                <a:ea typeface="黑体-简" panose="02000000000000000000" charset="-122"/>
+              </a:rPr>
               <a:t>1</a:t>
             </a:r>
             <a:r>
-              <a:rPr lang="zh-CN" altLang="en-US"/>
+              <a:rPr lang="zh-CN" altLang="en-US">
+                <a:latin typeface="黑体-简" panose="02000000000000000000" charset="-122"/>
+                <a:ea typeface="黑体-简" panose="02000000000000000000" charset="-122"/>
+              </a:rPr>
               <a:t>至</a:t>
             </a:r>
             <a:r>
-              <a:rPr lang="en-US" altLang="zh-CN"/>
+              <a:rPr lang="en-US" altLang="zh-CN">
+                <a:latin typeface="黑体-简" panose="02000000000000000000" charset="-122"/>
+                <a:ea typeface="黑体-简" panose="02000000000000000000" charset="-122"/>
+              </a:rPr>
               <a:t>3</a:t>
             </a:r>
             <a:r>
-              <a:rPr lang="zh-CN" altLang="en-US"/>
+              <a:rPr lang="zh-CN" altLang="en-US">
+                <a:latin typeface="黑体-简" panose="02000000000000000000" charset="-122"/>
+                <a:ea typeface="黑体-简" panose="02000000000000000000" charset="-122"/>
+              </a:rPr>
               <a:t>颗星</a:t>
             </a:r>
-            <a:endParaRPr lang="zh-CN" altLang="en-US"/>
+            <a:endParaRPr lang="zh-CN" altLang="en-US">
+              <a:latin typeface="黑体-简" panose="02000000000000000000" charset="-122"/>
+              <a:ea typeface="黑体-简" panose="02000000000000000000" charset="-122"/>
+            </a:endParaRPr>
           </a:p>
           <a:p>
             <a:pPr algn="l">
               <a:buNone/>
             </a:pPr>
-            <a:endParaRPr lang="en-US" altLang="zh-CN"/>
+            <a:endParaRPr lang="en-US" altLang="zh-CN">
+              <a:latin typeface="黑体-简" panose="02000000000000000000" charset="-122"/>
+              <a:ea typeface="黑体-简" panose="02000000000000000000" charset="-122"/>
+            </a:endParaRPr>
           </a:p>
           <a:p>
             <a:pPr algn="l">
               <a:buNone/>
             </a:pPr>
-            <a:endParaRPr lang="zh-CN" altLang="en-US"/>
+            <a:endParaRPr lang="zh-CN" altLang="en-US">
+              <a:latin typeface="黑体-简" panose="02000000000000000000" charset="-122"/>
+              <a:ea typeface="黑体-简" panose="02000000000000000000" charset="-122"/>
+            </a:endParaRPr>
           </a:p>
           <a:p>
             <a:pPr algn="l">
               <a:buNone/>
             </a:pPr>
             <a:r>
-              <a:rPr lang="en-US" altLang="zh-CN"/>
+              <a:rPr lang="en-US" altLang="zh-CN">
+                <a:latin typeface="黑体-简" panose="02000000000000000000" charset="-122"/>
+                <a:ea typeface="黑体-简" panose="02000000000000000000" charset="-122"/>
+              </a:rPr>
               <a:t>3.</a:t>
             </a:r>
             <a:r>
-              <a:rPr lang="zh-CN" altLang="en-US"/>
+              <a:rPr lang="zh-CN" altLang="en-US">
+                <a:latin typeface="黑体-简" panose="02000000000000000000" charset="-122"/>
+                <a:ea typeface="黑体-简" panose="02000000000000000000" charset="-122"/>
+              </a:rPr>
               <a:t>怪物系统：</a:t>
             </a:r>
-            <a:endParaRPr lang="zh-CN" altLang="en-US"/>
+            <a:endParaRPr lang="zh-CN" altLang="en-US">
+              <a:latin typeface="黑体-简" panose="02000000000000000000" charset="-122"/>
+              <a:ea typeface="黑体-简" panose="02000000000000000000" charset="-122"/>
+            </a:endParaRPr>
           </a:p>
           <a:p>
             <a:pPr algn="l">
               <a:buNone/>
             </a:pPr>
             <a:r>
-              <a:rPr lang="zh-CN" altLang="en-US"/>
+              <a:rPr lang="zh-CN" altLang="en-US">
+                <a:latin typeface="黑体-简" panose="02000000000000000000" charset="-122"/>
+                <a:ea typeface="黑体-简" panose="02000000000000000000" charset="-122"/>
+              </a:rPr>
               <a:t>               </a:t>
             </a:r>
-            <a:endParaRPr lang="zh-CN" altLang="en-US"/>
+            <a:endParaRPr lang="zh-CN" altLang="en-US">
+              <a:latin typeface="黑体-简" panose="02000000000000000000" charset="-122"/>
+              <a:ea typeface="黑体-简" panose="02000000000000000000" charset="-122"/>
+            </a:endParaRPr>
           </a:p>
           <a:p>
             <a:pPr algn="l">
               <a:buNone/>
             </a:pPr>
             <a:r>
-              <a:rPr lang="zh-CN" altLang="en-US"/>
-              <a:t>                     ：吞噬者，左右相等单位来回</a:t>
-            </a:r>
-            <a:r>
-              <a:rPr lang="zh-CN" altLang="en-US"/>
-              <a:t>巡逻</a:t>
-            </a:r>
-            <a:endParaRPr lang="zh-CN" altLang="en-US"/>
+              <a:rPr lang="zh-CN" altLang="en-US">
+                <a:latin typeface="黑体-简" panose="02000000000000000000" charset="-122"/>
+                <a:ea typeface="黑体-简" panose="02000000000000000000" charset="-122"/>
+              </a:rPr>
+              <a:t>                     ：吞噬者，左右相等单位来回巡逻</a:t>
+            </a:r>
+            <a:endParaRPr lang="zh-CN" altLang="en-US">
+              <a:latin typeface="黑体-简" panose="02000000000000000000" charset="-122"/>
+              <a:ea typeface="黑体-简" panose="02000000000000000000" charset="-122"/>
+            </a:endParaRPr>
           </a:p>
           <a:p>
             <a:pPr algn="l">
               <a:buNone/>
             </a:pPr>
             <a:r>
-              <a:rPr lang="zh-CN" altLang="en-US"/>
+              <a:rPr lang="zh-CN" altLang="en-US">
+                <a:latin typeface="黑体-简" panose="02000000000000000000" charset="-122"/>
+                <a:ea typeface="黑体-简" panose="02000000000000000000" charset="-122"/>
+              </a:rPr>
               <a:t>   </a:t>
             </a:r>
-            <a:endParaRPr lang="zh-CN" altLang="en-US"/>
+            <a:endParaRPr lang="zh-CN" altLang="en-US">
+              <a:latin typeface="黑体-简" panose="02000000000000000000" charset="-122"/>
+              <a:ea typeface="黑体-简" panose="02000000000000000000" charset="-122"/>
+            </a:endParaRPr>
           </a:p>
           <a:p>
             <a:pPr algn="l">
               <a:buNone/>
             </a:pPr>
             <a:r>
-              <a:rPr lang="zh-CN" altLang="en-US"/>
+              <a:rPr lang="zh-CN" altLang="en-US">
+                <a:latin typeface="黑体-简" panose="02000000000000000000" charset="-122"/>
+                <a:ea typeface="黑体-简" panose="02000000000000000000" charset="-122"/>
+              </a:rPr>
               <a:t>                </a:t>
             </a:r>
-            <a:endParaRPr lang="zh-CN" altLang="en-US"/>
+            <a:endParaRPr lang="zh-CN" altLang="en-US">
+              <a:latin typeface="黑体-简" panose="02000000000000000000" charset="-122"/>
+              <a:ea typeface="黑体-简" panose="02000000000000000000" charset="-122"/>
+            </a:endParaRPr>
           </a:p>
           <a:p>
             <a:pPr algn="l">
               <a:buNone/>
             </a:pPr>
             <a:r>
-              <a:rPr lang="zh-CN" altLang="en-US"/>
+              <a:rPr lang="zh-CN" altLang="en-US">
+                <a:latin typeface="黑体-简" panose="02000000000000000000" charset="-122"/>
+                <a:ea typeface="黑体-简" panose="02000000000000000000" charset="-122"/>
+              </a:rPr>
               <a:t>                      ：星魔，</a:t>
             </a:r>
             <a:r>
-              <a:rPr lang="en-US" altLang="zh-CN"/>
+              <a:rPr lang="en-US" altLang="zh-CN">
+                <a:latin typeface="黑体-简" panose="02000000000000000000" charset="-122"/>
+                <a:ea typeface="黑体-简" panose="02000000000000000000" charset="-122"/>
+              </a:rPr>
               <a:t>N</a:t>
             </a:r>
             <a:r>
-              <a:rPr lang="zh-CN" altLang="en-US"/>
+              <a:rPr lang="zh-CN" altLang="en-US">
+                <a:latin typeface="黑体-简" panose="02000000000000000000" charset="-122"/>
+                <a:ea typeface="黑体-简" panose="02000000000000000000" charset="-122"/>
+              </a:rPr>
               <a:t>型弹跳</a:t>
             </a:r>
-            <a:endParaRPr lang="en-US" altLang="zh-CN"/>
+            <a:endParaRPr lang="en-US" altLang="zh-CN">
+              <a:latin typeface="黑体-简" panose="02000000000000000000" charset="-122"/>
+              <a:ea typeface="黑体-简" panose="02000000000000000000" charset="-122"/>
+            </a:endParaRPr>
           </a:p>
           <a:p>
             <a:pPr algn="l">
               <a:buNone/>
             </a:pPr>
-            <a:endParaRPr lang="en-US" altLang="zh-CN"/>
+            <a:endParaRPr lang="en-US" altLang="zh-CN">
+              <a:latin typeface="黑体-简" panose="02000000000000000000" charset="-122"/>
+              <a:ea typeface="黑体-简" panose="02000000000000000000" charset="-122"/>
+            </a:endParaRPr>
           </a:p>
         </p:txBody>
       </p:sp>
